--- a/TeamCapekPresentation.pptx
+++ b/TeamCapekPresentation.pptx
@@ -111,6 +111,11 @@
       </a:defRPr>
     </a:lvl9pPr>
   </p:defaultTextStyle>
+  <p:extLst>
+    <p:ext uri="{EFAFB233-063F-42B5-8137-9DF3F51BA10A}">
+      <p15:sldGuideLst xmlns:p15="http://schemas.microsoft.com/office/powerpoint/2012/main"/>
+    </p:ext>
+  </p:extLst>
 </p:presentation>
 </file>
 
@@ -4137,13 +4142,23 @@
                   <a:schemeClr val="bg1"/>
                 </a:solidFill>
               </a:rPr>
-              <a:t>		Game </a:t>
+              <a:t>		</a:t>
+            </a:r>
+            <a:r>
+              <a:rPr lang="en-US" sz="3600" b="1" dirty="0" smtClean="0">
+                <a:solidFill>
+                  <a:schemeClr val="bg1"/>
+                </a:solidFill>
+                <a:latin typeface="+mn-lt"/>
+              </a:rPr>
+              <a:t>Game </a:t>
             </a:r>
             <a:r>
               <a:rPr lang="en-US" sz="3600" b="1" dirty="0">
                 <a:solidFill>
                   <a:schemeClr val="bg1"/>
                 </a:solidFill>
+                <a:latin typeface="+mn-lt"/>
               </a:rPr>
               <a:t>Implemented </a:t>
             </a:r>
@@ -4152,10 +4167,13 @@
                 <a:solidFill>
                   <a:schemeClr val="bg1"/>
                 </a:solidFill>
+                <a:latin typeface="+mn-lt"/>
               </a:rPr>
               <a:t>Assets(3)</a:t>
             </a:r>
-            <a:endParaRPr lang="bg-BG" sz="3600" dirty="0"/>
+            <a:endParaRPr lang="bg-BG" sz="3600" dirty="0">
+              <a:latin typeface="+mn-lt"/>
+            </a:endParaRPr>
           </a:p>
         </p:txBody>
       </p:sp>
@@ -4337,7 +4355,7 @@
           <a:p>
             <a:pPr lvl="3"/>
             <a:r>
-              <a:rPr lang="en-US" sz="2000" b="1" dirty="0" smtClean="0">
+              <a:rPr lang="en-US" sz="2200" b="1" dirty="0" smtClean="0">
                 <a:solidFill>
                   <a:schemeClr val="bg1"/>
                 </a:solidFill>
@@ -4345,14 +4363,14 @@
               <a:t>class Characters : </a:t>
             </a:r>
             <a:r>
-              <a:rPr lang="en-US" sz="2000" b="1" dirty="0" err="1" smtClean="0">
+              <a:rPr lang="en-US" sz="2200" b="1" dirty="0" err="1" smtClean="0">
                 <a:solidFill>
                   <a:schemeClr val="bg1"/>
                 </a:solidFill>
               </a:rPr>
               <a:t>WarUnit</a:t>
             </a:r>
-            <a:endParaRPr lang="en-US" sz="2000" b="1" dirty="0" smtClean="0">
+            <a:endParaRPr lang="en-US" sz="2200" b="1" dirty="0" smtClean="0">
               <a:solidFill>
                 <a:schemeClr val="bg1"/>
               </a:solidFill>
@@ -4472,6 +4490,7 @@
                 <a:solidFill>
                   <a:schemeClr val="bg1"/>
                 </a:solidFill>
+                <a:latin typeface="+mn-lt"/>
               </a:rPr>
               <a:t>Game </a:t>
             </a:r>
@@ -4480,6 +4499,7 @@
                 <a:solidFill>
                   <a:schemeClr val="bg1"/>
                 </a:solidFill>
+                <a:latin typeface="+mn-lt"/>
               </a:rPr>
               <a:t>Implemented </a:t>
             </a:r>
@@ -4488,6 +4508,7 @@
                 <a:solidFill>
                   <a:schemeClr val="bg1"/>
                 </a:solidFill>
+                <a:latin typeface="+mn-lt"/>
               </a:rPr>
               <a:t>Assets(</a:t>
             </a:r>
@@ -4496,6 +4517,7 @@
                 <a:solidFill>
                   <a:schemeClr val="bg1"/>
                 </a:solidFill>
+                <a:latin typeface="+mn-lt"/>
               </a:rPr>
               <a:t>4</a:t>
             </a:r>
@@ -4504,10 +4526,13 @@
                 <a:solidFill>
                   <a:schemeClr val="bg1"/>
                 </a:solidFill>
+                <a:latin typeface="+mn-lt"/>
               </a:rPr>
               <a:t>)</a:t>
             </a:r>
-            <a:endParaRPr lang="bg-BG" sz="3600" dirty="0"/>
+            <a:endParaRPr lang="bg-BG" sz="3600" dirty="0">
+              <a:latin typeface="+mn-lt"/>
+            </a:endParaRPr>
           </a:p>
         </p:txBody>
       </p:sp>
